--- a/Virtual World User Engagement Pipeline_Analytics_Project_Presentation_Structure.pptx
+++ b/Virtual World User Engagement Pipeline_Analytics_Project_Presentation_Structure.pptx
@@ -3110,7 +3110,7 @@
         <p:spPr/>
         <p:txBody>
           <a:bodyPr>
-            <a:normAutofit fontScale="90000"/>
+            <a:normAutofit/>
           </a:bodyPr>
           <a:lstStyle/>
           <a:p>
@@ -3120,7 +3120,7 @@
             </a:r>
             <a:r>
               <a:rPr dirty="0"/>
-              <a:t> User Engagement Analytics Pipeline</a:t>
+              <a:t> Analytics Pipeline</a:t>
             </a:r>
           </a:p>
         </p:txBody>
